--- a/Imagenes.pptx
+++ b/Imagenes.pptx
@@ -124,6 +124,11 @@
       </a:defRPr>
     </a:lvl9pPr>
   </p:defaultTextStyle>
+  <p:extLst>
+    <p:ext uri="{EFAFB233-063F-42B5-8137-9DF3F51BA10A}">
+      <p15:sldGuideLst xmlns:p15="http://schemas.microsoft.com/office/powerpoint/2012/main"/>
+    </p:ext>
+  </p:extLst>
 </p:presentation>
 </file>
 
@@ -258,7 +263,7 @@
           <a:p>
             <a:fld id="{507C701D-8BE2-4C17-B93D-2922CA969359}" type="datetimeFigureOut">
               <a:rPr lang="es-ES" smtClean="0"/>
-              <a:t>28/05/2019</a:t>
+              <a:t>31/05/2019</a:t>
             </a:fld>
             <a:endParaRPr lang="es-ES"/>
           </a:p>
@@ -428,7 +433,7 @@
           <a:p>
             <a:fld id="{507C701D-8BE2-4C17-B93D-2922CA969359}" type="datetimeFigureOut">
               <a:rPr lang="es-ES" smtClean="0"/>
-              <a:t>28/05/2019</a:t>
+              <a:t>31/05/2019</a:t>
             </a:fld>
             <a:endParaRPr lang="es-ES"/>
           </a:p>
@@ -608,7 +613,7 @@
           <a:p>
             <a:fld id="{507C701D-8BE2-4C17-B93D-2922CA969359}" type="datetimeFigureOut">
               <a:rPr lang="es-ES" smtClean="0"/>
-              <a:t>28/05/2019</a:t>
+              <a:t>31/05/2019</a:t>
             </a:fld>
             <a:endParaRPr lang="es-ES"/>
           </a:p>
@@ -778,7 +783,7 @@
           <a:p>
             <a:fld id="{507C701D-8BE2-4C17-B93D-2922CA969359}" type="datetimeFigureOut">
               <a:rPr lang="es-ES" smtClean="0"/>
-              <a:t>28/05/2019</a:t>
+              <a:t>31/05/2019</a:t>
             </a:fld>
             <a:endParaRPr lang="es-ES"/>
           </a:p>
@@ -1024,7 +1029,7 @@
           <a:p>
             <a:fld id="{507C701D-8BE2-4C17-B93D-2922CA969359}" type="datetimeFigureOut">
               <a:rPr lang="es-ES" smtClean="0"/>
-              <a:t>28/05/2019</a:t>
+              <a:t>31/05/2019</a:t>
             </a:fld>
             <a:endParaRPr lang="es-ES"/>
           </a:p>
@@ -1256,7 +1261,7 @@
           <a:p>
             <a:fld id="{507C701D-8BE2-4C17-B93D-2922CA969359}" type="datetimeFigureOut">
               <a:rPr lang="es-ES" smtClean="0"/>
-              <a:t>28/05/2019</a:t>
+              <a:t>31/05/2019</a:t>
             </a:fld>
             <a:endParaRPr lang="es-ES"/>
           </a:p>
@@ -1623,7 +1628,7 @@
           <a:p>
             <a:fld id="{507C701D-8BE2-4C17-B93D-2922CA969359}" type="datetimeFigureOut">
               <a:rPr lang="es-ES" smtClean="0"/>
-              <a:t>28/05/2019</a:t>
+              <a:t>31/05/2019</a:t>
             </a:fld>
             <a:endParaRPr lang="es-ES"/>
           </a:p>
@@ -1741,7 +1746,7 @@
           <a:p>
             <a:fld id="{507C701D-8BE2-4C17-B93D-2922CA969359}" type="datetimeFigureOut">
               <a:rPr lang="es-ES" smtClean="0"/>
-              <a:t>28/05/2019</a:t>
+              <a:t>31/05/2019</a:t>
             </a:fld>
             <a:endParaRPr lang="es-ES"/>
           </a:p>
@@ -1836,7 +1841,7 @@
           <a:p>
             <a:fld id="{507C701D-8BE2-4C17-B93D-2922CA969359}" type="datetimeFigureOut">
               <a:rPr lang="es-ES" smtClean="0"/>
-              <a:t>28/05/2019</a:t>
+              <a:t>31/05/2019</a:t>
             </a:fld>
             <a:endParaRPr lang="es-ES"/>
           </a:p>
@@ -2113,7 +2118,7 @@
           <a:p>
             <a:fld id="{507C701D-8BE2-4C17-B93D-2922CA969359}" type="datetimeFigureOut">
               <a:rPr lang="es-ES" smtClean="0"/>
-              <a:t>28/05/2019</a:t>
+              <a:t>31/05/2019</a:t>
             </a:fld>
             <a:endParaRPr lang="es-ES"/>
           </a:p>
@@ -2366,7 +2371,7 @@
           <a:p>
             <a:fld id="{507C701D-8BE2-4C17-B93D-2922CA969359}" type="datetimeFigureOut">
               <a:rPr lang="es-ES" smtClean="0"/>
-              <a:t>28/05/2019</a:t>
+              <a:t>31/05/2019</a:t>
             </a:fld>
             <a:endParaRPr lang="es-ES"/>
           </a:p>
@@ -2579,7 +2584,7 @@
           <a:p>
             <a:fld id="{507C701D-8BE2-4C17-B93D-2922CA969359}" type="datetimeFigureOut">
               <a:rPr lang="es-ES" smtClean="0"/>
-              <a:t>28/05/2019</a:t>
+              <a:t>31/05/2019</a:t>
             </a:fld>
             <a:endParaRPr lang="es-ES"/>
           </a:p>
@@ -3501,7 +3506,6 @@
                 <a:rPr lang="es-ES" dirty="0"/>
                 <a:t>2</a:t>
               </a:r>
-              <a:endParaRPr lang="es-ES" dirty="0"/>
             </a:p>
           </p:txBody>
         </p:sp>
@@ -3561,7 +3565,6 @@
                 <a:rPr lang="es-ES" dirty="0"/>
                 <a:t>4</a:t>
               </a:r>
-              <a:endParaRPr lang="es-ES" dirty="0"/>
             </a:p>
           </p:txBody>
         </p:sp>
@@ -4415,162 +4418,147 @@
           <a:chExt cx="0" cy="0"/>
         </a:xfrm>
       </p:grpSpPr>
-      <p:grpSp>
-        <p:nvGrpSpPr>
-          <p:cNvPr id="7" name="Grupo 6"/>
-          <p:cNvGrpSpPr/>
+      <p:pic>
+        <p:nvPicPr>
+          <p:cNvPr id="2" name="Imagen 1"/>
+          <p:cNvPicPr>
+            <a:picLocks noChangeAspect="1"/>
+          </p:cNvPicPr>
           <p:nvPr/>
-        </p:nvGrpSpPr>
-        <p:grpSpPr>
+        </p:nvPicPr>
+        <p:blipFill>
+          <a:blip r:embed="rId2"/>
+          <a:stretch>
+            <a:fillRect/>
+          </a:stretch>
+        </p:blipFill>
+        <p:spPr>
           <a:xfrm>
-            <a:off x="3038808" y="1614957"/>
-            <a:ext cx="2647818" cy="3009900"/>
-            <a:chOff x="3038808" y="1614957"/>
-            <a:chExt cx="2647818" cy="3009900"/>
+            <a:off x="6634163" y="1434652"/>
+            <a:ext cx="2581275" cy="3009900"/>
           </a:xfrm>
-        </p:grpSpPr>
-        <p:pic>
-          <p:nvPicPr>
-            <p:cNvPr id="2" name="Imagen 1"/>
-            <p:cNvPicPr>
-              <a:picLocks noChangeAspect="1"/>
-            </p:cNvPicPr>
-            <p:nvPr/>
-          </p:nvPicPr>
-          <p:blipFill>
-            <a:blip r:embed="rId2"/>
-            <a:stretch>
-              <a:fillRect/>
-            </a:stretch>
-          </p:blipFill>
-          <p:spPr>
-            <a:xfrm>
-              <a:off x="3105351" y="1614957"/>
-              <a:ext cx="2581275" cy="3009900"/>
-            </a:xfrm>
-            <a:prstGeom prst="rect">
-              <a:avLst/>
-            </a:prstGeom>
-          </p:spPr>
-        </p:pic>
-        <p:sp>
-          <p:nvSpPr>
-            <p:cNvPr id="4" name="Elipse 3"/>
-            <p:cNvSpPr/>
-            <p:nvPr/>
-          </p:nvSpPr>
-          <p:spPr>
-            <a:xfrm>
-              <a:off x="3079593" y="3705463"/>
-              <a:ext cx="779172" cy="262973"/>
-            </a:xfrm>
-            <a:prstGeom prst="ellipse">
-              <a:avLst/>
-            </a:prstGeom>
-            <a:noFill/>
-          </p:spPr>
-          <p:style>
-            <a:lnRef idx="2">
-              <a:schemeClr val="accent2"/>
-            </a:lnRef>
-            <a:fillRef idx="1">
-              <a:schemeClr val="lt1"/>
-            </a:fillRef>
-            <a:effectRef idx="0">
-              <a:schemeClr val="accent2"/>
-            </a:effectRef>
-            <a:fontRef idx="minor">
-              <a:schemeClr val="dk1"/>
-            </a:fontRef>
-          </p:style>
-          <p:txBody>
-            <a:bodyPr rtlCol="0" anchor="ctr"/>
-            <a:lstStyle/>
-            <a:p>
-              <a:pPr algn="ctr"/>
-              <a:endParaRPr lang="es-ES"/>
-            </a:p>
-          </p:txBody>
-        </p:sp>
-        <p:sp>
-          <p:nvSpPr>
-            <p:cNvPr id="5" name="Elipse 4"/>
-            <p:cNvSpPr/>
-            <p:nvPr/>
-          </p:nvSpPr>
-          <p:spPr>
-            <a:xfrm>
-              <a:off x="3077446" y="3922258"/>
-              <a:ext cx="779172" cy="262973"/>
-            </a:xfrm>
-            <a:prstGeom prst="ellipse">
-              <a:avLst/>
-            </a:prstGeom>
-            <a:noFill/>
-          </p:spPr>
-          <p:style>
-            <a:lnRef idx="2">
-              <a:schemeClr val="accent2"/>
-            </a:lnRef>
-            <a:fillRef idx="1">
-              <a:schemeClr val="lt1"/>
-            </a:fillRef>
-            <a:effectRef idx="0">
-              <a:schemeClr val="accent2"/>
-            </a:effectRef>
-            <a:fontRef idx="minor">
-              <a:schemeClr val="dk1"/>
-            </a:fontRef>
-          </p:style>
-          <p:txBody>
-            <a:bodyPr rtlCol="0" anchor="ctr"/>
-            <a:lstStyle/>
-            <a:p>
-              <a:pPr algn="ctr"/>
-              <a:endParaRPr lang="es-ES"/>
-            </a:p>
-          </p:txBody>
-        </p:sp>
-        <p:sp>
-          <p:nvSpPr>
-            <p:cNvPr id="6" name="Elipse 5"/>
-            <p:cNvSpPr/>
-            <p:nvPr/>
-          </p:nvSpPr>
-          <p:spPr>
-            <a:xfrm>
-              <a:off x="3038808" y="3419982"/>
-              <a:ext cx="779172" cy="262973"/>
-            </a:xfrm>
-            <a:prstGeom prst="ellipse">
-              <a:avLst/>
-            </a:prstGeom>
-            <a:noFill/>
-          </p:spPr>
-          <p:style>
-            <a:lnRef idx="2">
-              <a:schemeClr val="accent2"/>
-            </a:lnRef>
-            <a:fillRef idx="1">
-              <a:schemeClr val="lt1"/>
-            </a:fillRef>
-            <a:effectRef idx="0">
-              <a:schemeClr val="accent2"/>
-            </a:effectRef>
-            <a:fontRef idx="minor">
-              <a:schemeClr val="dk1"/>
-            </a:fontRef>
-          </p:style>
-          <p:txBody>
-            <a:bodyPr rtlCol="0" anchor="ctr"/>
-            <a:lstStyle/>
-            <a:p>
-              <a:pPr algn="ctr"/>
-              <a:endParaRPr lang="es-ES"/>
-            </a:p>
-          </p:txBody>
-        </p:sp>
-      </p:grpSp>
+          <a:prstGeom prst="rect">
+            <a:avLst/>
+          </a:prstGeom>
+        </p:spPr>
+      </p:pic>
+      <p:sp>
+        <p:nvSpPr>
+          <p:cNvPr id="4" name="Elipse 3"/>
+          <p:cNvSpPr/>
+          <p:nvPr/>
+        </p:nvSpPr>
+        <p:spPr>
+          <a:xfrm>
+            <a:off x="3079593" y="3705463"/>
+            <a:ext cx="779172" cy="262973"/>
+          </a:xfrm>
+          <a:prstGeom prst="ellipse">
+            <a:avLst/>
+          </a:prstGeom>
+          <a:noFill/>
+        </p:spPr>
+        <p:style>
+          <a:lnRef idx="2">
+            <a:schemeClr val="accent2"/>
+          </a:lnRef>
+          <a:fillRef idx="1">
+            <a:schemeClr val="lt1"/>
+          </a:fillRef>
+          <a:effectRef idx="0">
+            <a:schemeClr val="accent2"/>
+          </a:effectRef>
+          <a:fontRef idx="minor">
+            <a:schemeClr val="dk1"/>
+          </a:fontRef>
+        </p:style>
+        <p:txBody>
+          <a:bodyPr rtlCol="0" anchor="ctr"/>
+          <a:lstStyle/>
+          <a:p>
+            <a:pPr algn="ctr"/>
+            <a:endParaRPr lang="es-ES"/>
+          </a:p>
+        </p:txBody>
+      </p:sp>
+      <p:sp>
+        <p:nvSpPr>
+          <p:cNvPr id="5" name="Elipse 4"/>
+          <p:cNvSpPr/>
+          <p:nvPr/>
+        </p:nvSpPr>
+        <p:spPr>
+          <a:xfrm>
+            <a:off x="3077446" y="3922258"/>
+            <a:ext cx="779172" cy="262973"/>
+          </a:xfrm>
+          <a:prstGeom prst="ellipse">
+            <a:avLst/>
+          </a:prstGeom>
+          <a:noFill/>
+        </p:spPr>
+        <p:style>
+          <a:lnRef idx="2">
+            <a:schemeClr val="accent2"/>
+          </a:lnRef>
+          <a:fillRef idx="1">
+            <a:schemeClr val="lt1"/>
+          </a:fillRef>
+          <a:effectRef idx="0">
+            <a:schemeClr val="accent2"/>
+          </a:effectRef>
+          <a:fontRef idx="minor">
+            <a:schemeClr val="dk1"/>
+          </a:fontRef>
+        </p:style>
+        <p:txBody>
+          <a:bodyPr rtlCol="0" anchor="ctr"/>
+          <a:lstStyle/>
+          <a:p>
+            <a:pPr algn="ctr"/>
+            <a:endParaRPr lang="es-ES"/>
+          </a:p>
+        </p:txBody>
+      </p:sp>
+      <p:sp>
+        <p:nvSpPr>
+          <p:cNvPr id="6" name="Elipse 5"/>
+          <p:cNvSpPr/>
+          <p:nvPr/>
+        </p:nvSpPr>
+        <p:spPr>
+          <a:xfrm>
+            <a:off x="4395988" y="3423813"/>
+            <a:ext cx="779172" cy="262973"/>
+          </a:xfrm>
+          <a:prstGeom prst="ellipse">
+            <a:avLst/>
+          </a:prstGeom>
+          <a:noFill/>
+        </p:spPr>
+        <p:style>
+          <a:lnRef idx="2">
+            <a:schemeClr val="accent2"/>
+          </a:lnRef>
+          <a:fillRef idx="1">
+            <a:schemeClr val="lt1"/>
+          </a:fillRef>
+          <a:effectRef idx="0">
+            <a:schemeClr val="accent2"/>
+          </a:effectRef>
+          <a:fontRef idx="minor">
+            <a:schemeClr val="dk1"/>
+          </a:fontRef>
+        </p:style>
+        <p:txBody>
+          <a:bodyPr rtlCol="0" anchor="ctr"/>
+          <a:lstStyle/>
+          <a:p>
+            <a:pPr algn="ctr"/>
+            <a:endParaRPr lang="es-ES"/>
+          </a:p>
+        </p:txBody>
+      </p:sp>
     </p:spTree>
     <p:extLst>
       <p:ext uri="{BB962C8B-B14F-4D97-AF65-F5344CB8AC3E}">
@@ -4859,6 +4847,201 @@
           <a:chExt cx="0" cy="0"/>
         </a:xfrm>
       </p:grpSpPr>
+      <p:grpSp>
+        <p:nvGrpSpPr>
+          <p:cNvPr id="10" name="Grupo 9"/>
+          <p:cNvGrpSpPr/>
+          <p:nvPr/>
+        </p:nvGrpSpPr>
+        <p:grpSpPr>
+          <a:xfrm>
+            <a:off x="-733425" y="-237253"/>
+            <a:ext cx="13658850" cy="7229475"/>
+            <a:chOff x="-733425" y="-237253"/>
+            <a:chExt cx="13658850" cy="7229475"/>
+          </a:xfrm>
+        </p:grpSpPr>
+        <p:pic>
+          <p:nvPicPr>
+            <p:cNvPr id="2" name="Imagen 1"/>
+            <p:cNvPicPr>
+              <a:picLocks noChangeAspect="1"/>
+            </p:cNvPicPr>
+            <p:nvPr/>
+          </p:nvPicPr>
+          <p:blipFill>
+            <a:blip r:embed="rId2"/>
+            <a:stretch>
+              <a:fillRect/>
+            </a:stretch>
+          </p:blipFill>
+          <p:spPr>
+            <a:xfrm>
+              <a:off x="-733425" y="-237253"/>
+              <a:ext cx="13658850" cy="7229475"/>
+            </a:xfrm>
+            <a:prstGeom prst="rect">
+              <a:avLst/>
+            </a:prstGeom>
+          </p:spPr>
+        </p:pic>
+        <p:grpSp>
+          <p:nvGrpSpPr>
+            <p:cNvPr id="9" name="Grupo 8"/>
+            <p:cNvGrpSpPr/>
+            <p:nvPr/>
+          </p:nvGrpSpPr>
+          <p:grpSpPr>
+            <a:xfrm>
+              <a:off x="-733425" y="1523862"/>
+              <a:ext cx="10778946" cy="2562170"/>
+              <a:chOff x="-733425" y="1523862"/>
+              <a:chExt cx="10778946" cy="2562170"/>
+            </a:xfrm>
+          </p:grpSpPr>
+          <p:sp>
+            <p:nvSpPr>
+              <p:cNvPr id="3" name="Elipse 2"/>
+              <p:cNvSpPr/>
+              <p:nvPr/>
+            </p:nvSpPr>
+            <p:spPr>
+              <a:xfrm>
+                <a:off x="9277081" y="3760632"/>
+                <a:ext cx="768440" cy="325400"/>
+              </a:xfrm>
+              <a:prstGeom prst="ellipse">
+                <a:avLst/>
+              </a:prstGeom>
+              <a:noFill/>
+            </p:spPr>
+            <p:style>
+              <a:lnRef idx="2">
+                <a:schemeClr val="accent2"/>
+              </a:lnRef>
+              <a:fillRef idx="1">
+                <a:schemeClr val="lt1"/>
+              </a:fillRef>
+              <a:effectRef idx="0">
+                <a:schemeClr val="accent2"/>
+              </a:effectRef>
+              <a:fontRef idx="minor">
+                <a:schemeClr val="dk1"/>
+              </a:fontRef>
+            </p:style>
+            <p:txBody>
+              <a:bodyPr rtlCol="0" anchor="ctr"/>
+              <a:lstStyle/>
+              <a:p>
+                <a:pPr algn="ctr"/>
+                <a:endParaRPr lang="es-ES"/>
+              </a:p>
+            </p:txBody>
+          </p:sp>
+          <p:sp>
+            <p:nvSpPr>
+              <p:cNvPr id="5" name="Rectángulo 4"/>
+              <p:cNvSpPr/>
+              <p:nvPr/>
+            </p:nvSpPr>
+            <p:spPr>
+              <a:xfrm>
+                <a:off x="-733425" y="1893194"/>
+                <a:ext cx="2433436" cy="875764"/>
+              </a:xfrm>
+              <a:prstGeom prst="rect">
+                <a:avLst/>
+              </a:prstGeom>
+              <a:noFill/>
+            </p:spPr>
+            <p:style>
+              <a:lnRef idx="2">
+                <a:schemeClr val="accent2"/>
+              </a:lnRef>
+              <a:fillRef idx="1">
+                <a:schemeClr val="lt1"/>
+              </a:fillRef>
+              <a:effectRef idx="0">
+                <a:schemeClr val="accent2"/>
+              </a:effectRef>
+              <a:fontRef idx="minor">
+                <a:schemeClr val="dk1"/>
+              </a:fontRef>
+            </p:style>
+            <p:txBody>
+              <a:bodyPr rtlCol="0" anchor="ctr"/>
+              <a:lstStyle/>
+              <a:p>
+                <a:pPr algn="ctr"/>
+                <a:endParaRPr lang="es-ES"/>
+              </a:p>
+            </p:txBody>
+          </p:sp>
+          <p:cxnSp>
+            <p:nvCxnSpPr>
+              <p:cNvPr id="7" name="Conector recto de flecha 6"/>
+              <p:cNvCxnSpPr/>
+              <p:nvPr/>
+            </p:nvCxnSpPr>
+            <p:spPr>
+              <a:xfrm flipH="1">
+                <a:off x="5383369" y="1893194"/>
+                <a:ext cx="12879" cy="965915"/>
+              </a:xfrm>
+              <a:prstGeom prst="straightConnector1">
+                <a:avLst/>
+              </a:prstGeom>
+              <a:ln>
+                <a:tailEnd type="triangle"/>
+              </a:ln>
+            </p:spPr>
+            <p:style>
+              <a:lnRef idx="1">
+                <a:schemeClr val="dk1"/>
+              </a:lnRef>
+              <a:fillRef idx="0">
+                <a:schemeClr val="dk1"/>
+              </a:fillRef>
+              <a:effectRef idx="0">
+                <a:schemeClr val="dk1"/>
+              </a:effectRef>
+              <a:fontRef idx="minor">
+                <a:schemeClr val="tx1"/>
+              </a:fontRef>
+            </p:style>
+          </p:cxnSp>
+          <p:sp>
+            <p:nvSpPr>
+              <p:cNvPr id="8" name="CuadroTexto 7"/>
+              <p:cNvSpPr txBox="1"/>
+              <p:nvPr/>
+            </p:nvSpPr>
+            <p:spPr>
+              <a:xfrm>
+                <a:off x="4752304" y="1523862"/>
+                <a:ext cx="1506828" cy="369332"/>
+              </a:xfrm>
+              <a:prstGeom prst="rect">
+                <a:avLst/>
+              </a:prstGeom>
+              <a:noFill/>
+            </p:spPr>
+            <p:txBody>
+              <a:bodyPr wrap="square" rtlCol="0">
+                <a:spAutoFit/>
+              </a:bodyPr>
+              <a:lstStyle/>
+              <a:p>
+                <a:r>
+                  <a:rPr lang="es-ES" dirty="0" smtClean="0"/>
+                  <a:t>Componente</a:t>
+                </a:r>
+                <a:endParaRPr lang="es-ES" dirty="0"/>
+              </a:p>
+            </p:txBody>
+          </p:sp>
+        </p:grpSp>
+      </p:grpSp>
     </p:spTree>
     <p:extLst>
       <p:ext uri="{BB962C8B-B14F-4D97-AF65-F5344CB8AC3E}">
@@ -4919,84 +5102,6 @@
           <a:chExt cx="0" cy="0"/>
         </a:xfrm>
       </p:grpSpPr>
-      <p:grpSp>
-        <p:nvGrpSpPr>
-          <p:cNvPr id="7" name="Grupo 6"/>
-          <p:cNvGrpSpPr/>
-          <p:nvPr/>
-        </p:nvGrpSpPr>
-        <p:grpSpPr>
-          <a:xfrm>
-            <a:off x="0" y="51516"/>
-            <a:ext cx="4412922" cy="3506340"/>
-            <a:chOff x="1622737" y="730809"/>
-            <a:chExt cx="4412922" cy="3506340"/>
-          </a:xfrm>
-        </p:grpSpPr>
-        <p:pic>
-          <p:nvPicPr>
-            <p:cNvPr id="6" name="Imagen 5"/>
-            <p:cNvPicPr>
-              <a:picLocks noChangeAspect="1"/>
-            </p:cNvPicPr>
-            <p:nvPr/>
-          </p:nvPicPr>
-          <p:blipFill>
-            <a:blip r:embed="rId2"/>
-            <a:stretch>
-              <a:fillRect/>
-            </a:stretch>
-          </p:blipFill>
-          <p:spPr>
-            <a:xfrm>
-              <a:off x="1622737" y="730809"/>
-              <a:ext cx="4412922" cy="3506340"/>
-            </a:xfrm>
-            <a:prstGeom prst="rect">
-              <a:avLst/>
-            </a:prstGeom>
-          </p:spPr>
-        </p:pic>
-        <p:sp>
-          <p:nvSpPr>
-            <p:cNvPr id="3" name="Elipse 2"/>
-            <p:cNvSpPr/>
-            <p:nvPr/>
-          </p:nvSpPr>
-          <p:spPr>
-            <a:xfrm>
-              <a:off x="1622737" y="1223493"/>
-              <a:ext cx="1493950" cy="1390918"/>
-            </a:xfrm>
-            <a:prstGeom prst="ellipse">
-              <a:avLst/>
-            </a:prstGeom>
-            <a:noFill/>
-          </p:spPr>
-          <p:style>
-            <a:lnRef idx="2">
-              <a:schemeClr val="accent2"/>
-            </a:lnRef>
-            <a:fillRef idx="1">
-              <a:schemeClr val="lt1"/>
-            </a:fillRef>
-            <a:effectRef idx="0">
-              <a:schemeClr val="accent2"/>
-            </a:effectRef>
-            <a:fontRef idx="minor">
-              <a:schemeClr val="dk1"/>
-            </a:fontRef>
-          </p:style>
-          <p:txBody>
-            <a:bodyPr rtlCol="0" anchor="ctr"/>
-            <a:lstStyle/>
-            <a:p>
-              <a:pPr algn="ctr"/>
-              <a:endParaRPr lang="es-ES"/>
-            </a:p>
-          </p:txBody>
-        </p:sp>
-      </p:grpSp>
       <p:pic>
         <p:nvPicPr>
           <p:cNvPr id="8" name="Imagen 7"/>
@@ -5006,14 +5111,14 @@
           <p:nvPr/>
         </p:nvPicPr>
         <p:blipFill>
-          <a:blip r:embed="rId3"/>
+          <a:blip r:embed="rId2"/>
           <a:stretch>
             <a:fillRect/>
           </a:stretch>
         </p:blipFill>
         <p:spPr>
           <a:xfrm>
-            <a:off x="5247605" y="318685"/>
+            <a:off x="9632226" y="318685"/>
             <a:ext cx="2057400" cy="5400675"/>
           </a:xfrm>
           <a:prstGeom prst="rect">
@@ -5029,7 +5134,7 @@
         </p:nvSpPr>
         <p:spPr>
           <a:xfrm>
-            <a:off x="5247605" y="318685"/>
+            <a:off x="10466908" y="544200"/>
             <a:ext cx="682582" cy="362754"/>
           </a:xfrm>
           <a:prstGeom prst="ellipse">
@@ -5068,7 +5173,7 @@
         </p:nvSpPr>
         <p:spPr>
           <a:xfrm>
-            <a:off x="5247605" y="1111340"/>
+            <a:off x="11030219" y="986375"/>
             <a:ext cx="818344" cy="215184"/>
           </a:xfrm>
           <a:prstGeom prst="ellipse">
@@ -5107,7 +5212,7 @@
         </p:nvGrpSpPr>
         <p:grpSpPr>
           <a:xfrm>
-            <a:off x="7979198" y="573043"/>
+            <a:off x="9916003" y="430302"/>
             <a:ext cx="2466976" cy="1362075"/>
             <a:chOff x="7979198" y="573043"/>
             <a:chExt cx="2466976" cy="1362075"/>
@@ -5122,7 +5227,7 @@
             <p:nvPr/>
           </p:nvPicPr>
           <p:blipFill>
-            <a:blip r:embed="rId4"/>
+            <a:blip r:embed="rId3"/>
             <a:stretch>
               <a:fillRect/>
             </a:stretch>
@@ -5176,6 +5281,156 @@
             </a:p>
           </p:txBody>
         </p:sp>
+      </p:grpSp>
+      <p:grpSp>
+        <p:nvGrpSpPr>
+          <p:cNvPr id="15" name="Grupo 14"/>
+          <p:cNvGrpSpPr/>
+          <p:nvPr/>
+        </p:nvGrpSpPr>
+        <p:grpSpPr>
+          <a:xfrm>
+            <a:off x="914535" y="-487318"/>
+            <a:ext cx="6824547" cy="7078417"/>
+            <a:chOff x="914535" y="-487318"/>
+            <a:chExt cx="6824547" cy="7078417"/>
+          </a:xfrm>
+        </p:grpSpPr>
+        <p:grpSp>
+          <p:nvGrpSpPr>
+            <p:cNvPr id="7" name="Grupo 6"/>
+            <p:cNvGrpSpPr/>
+            <p:nvPr/>
+          </p:nvGrpSpPr>
+          <p:grpSpPr>
+            <a:xfrm>
+              <a:off x="2455736" y="-487318"/>
+              <a:ext cx="4412922" cy="3506340"/>
+              <a:chOff x="1622737" y="730809"/>
+              <a:chExt cx="4412922" cy="3506340"/>
+            </a:xfrm>
+          </p:grpSpPr>
+          <p:pic>
+            <p:nvPicPr>
+              <p:cNvPr id="6" name="Imagen 5"/>
+              <p:cNvPicPr>
+                <a:picLocks noChangeAspect="1"/>
+              </p:cNvPicPr>
+              <p:nvPr/>
+            </p:nvPicPr>
+            <p:blipFill>
+              <a:blip r:embed="rId4"/>
+              <a:stretch>
+                <a:fillRect/>
+              </a:stretch>
+            </p:blipFill>
+            <p:spPr>
+              <a:xfrm>
+                <a:off x="1622737" y="730809"/>
+                <a:ext cx="4412922" cy="3506340"/>
+              </a:xfrm>
+              <a:prstGeom prst="rect">
+                <a:avLst/>
+              </a:prstGeom>
+            </p:spPr>
+          </p:pic>
+          <p:sp>
+            <p:nvSpPr>
+              <p:cNvPr id="3" name="Elipse 2"/>
+              <p:cNvSpPr/>
+              <p:nvPr/>
+            </p:nvSpPr>
+            <p:spPr>
+              <a:xfrm>
+                <a:off x="1622737" y="1223493"/>
+                <a:ext cx="1493950" cy="1390918"/>
+              </a:xfrm>
+              <a:prstGeom prst="ellipse">
+                <a:avLst/>
+              </a:prstGeom>
+              <a:noFill/>
+            </p:spPr>
+            <p:style>
+              <a:lnRef idx="2">
+                <a:schemeClr val="accent2"/>
+              </a:lnRef>
+              <a:fillRef idx="1">
+                <a:schemeClr val="lt1"/>
+              </a:fillRef>
+              <a:effectRef idx="0">
+                <a:schemeClr val="accent2"/>
+              </a:effectRef>
+              <a:fontRef idx="minor">
+                <a:schemeClr val="dk1"/>
+              </a:fontRef>
+            </p:style>
+            <p:txBody>
+              <a:bodyPr rtlCol="0" anchor="ctr"/>
+              <a:lstStyle/>
+              <a:p>
+                <a:pPr algn="ctr"/>
+                <a:endParaRPr lang="es-ES"/>
+              </a:p>
+            </p:txBody>
+          </p:sp>
+        </p:grpSp>
+        <p:pic>
+          <p:nvPicPr>
+            <p:cNvPr id="2" name="Imagen 1"/>
+            <p:cNvPicPr>
+              <a:picLocks noChangeAspect="1"/>
+            </p:cNvPicPr>
+            <p:nvPr/>
+          </p:nvPicPr>
+          <p:blipFill>
+            <a:blip r:embed="rId5"/>
+            <a:stretch>
+              <a:fillRect/>
+            </a:stretch>
+          </p:blipFill>
+          <p:spPr>
+            <a:xfrm>
+              <a:off x="914535" y="3284113"/>
+              <a:ext cx="6824547" cy="3306986"/>
+            </a:xfrm>
+            <a:prstGeom prst="rect">
+              <a:avLst/>
+            </a:prstGeom>
+          </p:spPr>
+        </p:pic>
+        <p:cxnSp>
+          <p:nvCxnSpPr>
+            <p:cNvPr id="5" name="Conector recto de flecha 4"/>
+            <p:cNvCxnSpPr/>
+            <p:nvPr/>
+          </p:nvCxnSpPr>
+          <p:spPr>
+            <a:xfrm>
+              <a:off x="3940935" y="2614411"/>
+              <a:ext cx="8751" cy="1056068"/>
+            </a:xfrm>
+            <a:prstGeom prst="straightConnector1">
+              <a:avLst/>
+            </a:prstGeom>
+            <a:ln>
+              <a:tailEnd type="triangle"/>
+            </a:ln>
+          </p:spPr>
+          <p:style>
+            <a:lnRef idx="1">
+              <a:schemeClr val="dk1"/>
+            </a:lnRef>
+            <a:fillRef idx="0">
+              <a:schemeClr val="dk1"/>
+            </a:fillRef>
+            <a:effectRef idx="0">
+              <a:schemeClr val="dk1"/>
+            </a:effectRef>
+            <a:fontRef idx="minor">
+              <a:schemeClr val="tx1"/>
+            </a:fontRef>
+          </p:style>
+        </p:cxnSp>
       </p:grpSp>
     </p:spTree>
     <p:extLst>
@@ -6321,7 +6576,6 @@
                 <a:rPr lang="es-ES" dirty="0"/>
                 <a:t>2</a:t>
               </a:r>
-              <a:endParaRPr lang="es-ES" dirty="0"/>
             </a:p>
           </p:txBody>
         </p:sp>
